--- a/CIS Final Presentation Slides(Theory).pptx
+++ b/CIS Final Presentation Slides(Theory).pptx
@@ -3252,7 +3252,7 @@
           <a:p>
             <a:fld id="{92C9972C-8070-4643-918C-2DB60C76966C}" type="datetimeFigureOut">
               <a:rPr lang="en-ID" smtClean="0"/>
-              <a:t>13/08/2023</a:t>
+              <a:t>14/08/2023</a:t>
             </a:fld>
             <a:endParaRPr lang="en-ID"/>
           </a:p>
@@ -3548,7 +3548,7 @@
           <a:p>
             <a:fld id="{92C9972C-8070-4643-918C-2DB60C76966C}" type="datetimeFigureOut">
               <a:rPr lang="en-ID" smtClean="0"/>
-              <a:t>13/08/2023</a:t>
+              <a:t>14/08/2023</a:t>
             </a:fld>
             <a:endParaRPr lang="en-ID"/>
           </a:p>
@@ -3796,7 +3796,7 @@
           <a:p>
             <a:fld id="{92C9972C-8070-4643-918C-2DB60C76966C}" type="datetimeFigureOut">
               <a:rPr lang="en-ID" smtClean="0"/>
-              <a:t>13/08/2023</a:t>
+              <a:t>14/08/2023</a:t>
             </a:fld>
             <a:endParaRPr lang="en-ID"/>
           </a:p>
@@ -4336,7 +4336,7 @@
           <a:p>
             <a:fld id="{92C9972C-8070-4643-918C-2DB60C76966C}" type="datetimeFigureOut">
               <a:rPr lang="en-ID" smtClean="0"/>
-              <a:t>13/08/2023</a:t>
+              <a:t>14/08/2023</a:t>
             </a:fld>
             <a:endParaRPr lang="en-ID"/>
           </a:p>
@@ -4584,7 +4584,7 @@
           <a:p>
             <a:fld id="{92C9972C-8070-4643-918C-2DB60C76966C}" type="datetimeFigureOut">
               <a:rPr lang="en-ID" smtClean="0"/>
-              <a:t>13/08/2023</a:t>
+              <a:t>14/08/2023</a:t>
             </a:fld>
             <a:endParaRPr lang="en-ID"/>
           </a:p>
@@ -5116,7 +5116,7 @@
           <a:p>
             <a:fld id="{92C9972C-8070-4643-918C-2DB60C76966C}" type="datetimeFigureOut">
               <a:rPr lang="en-ID" smtClean="0"/>
-              <a:t>13/08/2023</a:t>
+              <a:t>14/08/2023</a:t>
             </a:fld>
             <a:endParaRPr lang="en-ID"/>
           </a:p>
@@ -5413,7 +5413,7 @@
           <a:p>
             <a:fld id="{92C9972C-8070-4643-918C-2DB60C76966C}" type="datetimeFigureOut">
               <a:rPr lang="en-ID" smtClean="0"/>
-              <a:t>13/08/2023</a:t>
+              <a:t>14/08/2023</a:t>
             </a:fld>
             <a:endParaRPr lang="en-ID"/>
           </a:p>
@@ -5587,7 +5587,7 @@
           <a:p>
             <a:fld id="{92C9972C-8070-4643-918C-2DB60C76966C}" type="datetimeFigureOut">
               <a:rPr lang="en-ID" smtClean="0"/>
-              <a:t>13/08/2023</a:t>
+              <a:t>14/08/2023</a:t>
             </a:fld>
             <a:endParaRPr lang="en-ID"/>
           </a:p>
@@ -5767,7 +5767,7 @@
           <a:p>
             <a:fld id="{92C9972C-8070-4643-918C-2DB60C76966C}" type="datetimeFigureOut">
               <a:rPr lang="en-ID" smtClean="0"/>
-              <a:t>13/08/2023</a:t>
+              <a:t>14/08/2023</a:t>
             </a:fld>
             <a:endParaRPr lang="en-ID"/>
           </a:p>
@@ -5937,7 +5937,7 @@
           <a:p>
             <a:fld id="{92C9972C-8070-4643-918C-2DB60C76966C}" type="datetimeFigureOut">
               <a:rPr lang="en-ID" smtClean="0"/>
-              <a:t>13/08/2023</a:t>
+              <a:t>14/08/2023</a:t>
             </a:fld>
             <a:endParaRPr lang="en-ID"/>
           </a:p>
@@ -6188,7 +6188,7 @@
           <a:p>
             <a:fld id="{92C9972C-8070-4643-918C-2DB60C76966C}" type="datetimeFigureOut">
               <a:rPr lang="en-ID" smtClean="0"/>
-              <a:t>13/08/2023</a:t>
+              <a:t>14/08/2023</a:t>
             </a:fld>
             <a:endParaRPr lang="en-ID"/>
           </a:p>
@@ -6485,7 +6485,7 @@
           <a:p>
             <a:fld id="{92C9972C-8070-4643-918C-2DB60C76966C}" type="datetimeFigureOut">
               <a:rPr lang="en-ID" smtClean="0"/>
-              <a:t>13/08/2023</a:t>
+              <a:t>14/08/2023</a:t>
             </a:fld>
             <a:endParaRPr lang="en-ID"/>
           </a:p>
@@ -6927,7 +6927,7 @@
           <a:p>
             <a:fld id="{92C9972C-8070-4643-918C-2DB60C76966C}" type="datetimeFigureOut">
               <a:rPr lang="en-ID" smtClean="0"/>
-              <a:t>13/08/2023</a:t>
+              <a:t>14/08/2023</a:t>
             </a:fld>
             <a:endParaRPr lang="en-ID"/>
           </a:p>
@@ -7045,7 +7045,7 @@
           <a:p>
             <a:fld id="{92C9972C-8070-4643-918C-2DB60C76966C}" type="datetimeFigureOut">
               <a:rPr lang="en-ID" smtClean="0"/>
-              <a:t>13/08/2023</a:t>
+              <a:t>14/08/2023</a:t>
             </a:fld>
             <a:endParaRPr lang="en-ID"/>
           </a:p>
@@ -7140,7 +7140,7 @@
           <a:p>
             <a:fld id="{92C9972C-8070-4643-918C-2DB60C76966C}" type="datetimeFigureOut">
               <a:rPr lang="en-ID" smtClean="0"/>
-              <a:t>13/08/2023</a:t>
+              <a:t>14/08/2023</a:t>
             </a:fld>
             <a:endParaRPr lang="en-ID"/>
           </a:p>
@@ -7423,7 +7423,7 @@
           <a:p>
             <a:fld id="{92C9972C-8070-4643-918C-2DB60C76966C}" type="datetimeFigureOut">
               <a:rPr lang="en-ID" smtClean="0"/>
-              <a:t>13/08/2023</a:t>
+              <a:t>14/08/2023</a:t>
             </a:fld>
             <a:endParaRPr lang="en-ID"/>
           </a:p>
@@ -7714,7 +7714,7 @@
           <a:p>
             <a:fld id="{92C9972C-8070-4643-918C-2DB60C76966C}" type="datetimeFigureOut">
               <a:rPr lang="en-ID" smtClean="0"/>
-              <a:t>13/08/2023</a:t>
+              <a:t>14/08/2023</a:t>
             </a:fld>
             <a:endParaRPr lang="en-ID"/>
           </a:p>
@@ -8244,7 +8244,7 @@
           <a:p>
             <a:fld id="{92C9972C-8070-4643-918C-2DB60C76966C}" type="datetimeFigureOut">
               <a:rPr lang="en-ID" smtClean="0"/>
-              <a:t>13/08/2023</a:t>
+              <a:t>14/08/2023</a:t>
             </a:fld>
             <a:endParaRPr lang="en-ID"/>
           </a:p>
@@ -9873,7 +9873,7 @@
             <a:pPr algn="ctr"/>
             <a:r>
               <a:rPr lang="en-US" sz="3200" dirty="0"/>
-              <a:t>Online survey was done using google form.</a:t>
+              <a:t>Online survey was done using google form and PAPI method</a:t>
             </a:r>
             <a:endParaRPr lang="en-ID" sz="3200" dirty="0"/>
           </a:p>
